--- a/Vs code 설치 및 설정.pptx
+++ b/Vs code 설치 및 설정.pptx
@@ -10,6 +10,8 @@
     <p:sldId id="258" r:id="rId4"/>
     <p:sldId id="259" r:id="rId5"/>
     <p:sldId id="260" r:id="rId6"/>
+    <p:sldId id="261" r:id="rId7"/>
+    <p:sldId id="262" r:id="rId8"/>
   </p:sldIdLst>
   <p:sldSz cx="12192000" cy="6858000"/>
   <p:notesSz cx="6858000" cy="9144000"/>
@@ -108,6 +110,11 @@
       </a:defRPr>
     </a:lvl9pPr>
   </p:defaultTextStyle>
+  <p:extLst>
+    <p:ext uri="{EFAFB233-063F-42B5-8137-9DF3F51BA10A}">
+      <p15:sldGuideLst xmlns:p15="http://schemas.microsoft.com/office/powerpoint/2012/main"/>
+    </p:ext>
+  </p:extLst>
 </p:presentation>
 </file>
 
@@ -340,7 +347,7 @@
           <a:p>
             <a:fld id="{72FA2C78-E58E-410D-940E-3ABE639268A7}" type="datetimeFigureOut">
               <a:rPr lang="ko-KR" altLang="en-US" smtClean="0"/>
-              <a:t>2022-07-13</a:t>
+              <a:t>2022-07-14</a:t>
             </a:fld>
             <a:endParaRPr lang="ko-KR" altLang="en-US"/>
           </a:p>
@@ -674,7 +681,7 @@
           <a:p>
             <a:fld id="{72FA2C78-E58E-410D-940E-3ABE639268A7}" type="datetimeFigureOut">
               <a:rPr lang="ko-KR" altLang="en-US" smtClean="0"/>
-              <a:t>2022-07-13</a:t>
+              <a:t>2022-07-14</a:t>
             </a:fld>
             <a:endParaRPr lang="ko-KR" altLang="en-US"/>
           </a:p>
@@ -952,7 +959,7 @@
           <a:p>
             <a:fld id="{72FA2C78-E58E-410D-940E-3ABE639268A7}" type="datetimeFigureOut">
               <a:rPr lang="ko-KR" altLang="en-US" smtClean="0"/>
-              <a:t>2022-07-13</a:t>
+              <a:t>2022-07-14</a:t>
             </a:fld>
             <a:endParaRPr lang="ko-KR" altLang="en-US"/>
           </a:p>
@@ -1520,7 +1527,7 @@
           <a:p>
             <a:fld id="{72FA2C78-E58E-410D-940E-3ABE639268A7}" type="datetimeFigureOut">
               <a:rPr lang="ko-KR" altLang="en-US" smtClean="0"/>
-              <a:t>2022-07-13</a:t>
+              <a:t>2022-07-14</a:t>
             </a:fld>
             <a:endParaRPr lang="ko-KR" altLang="en-US"/>
           </a:p>
@@ -1798,7 +1805,7 @@
           <a:p>
             <a:fld id="{72FA2C78-E58E-410D-940E-3ABE639268A7}" type="datetimeFigureOut">
               <a:rPr lang="ko-KR" altLang="en-US" smtClean="0"/>
-              <a:t>2022-07-13</a:t>
+              <a:t>2022-07-14</a:t>
             </a:fld>
             <a:endParaRPr lang="ko-KR" altLang="en-US"/>
           </a:p>
@@ -2360,7 +2367,7 @@
           <a:p>
             <a:fld id="{72FA2C78-E58E-410D-940E-3ABE639268A7}" type="datetimeFigureOut">
               <a:rPr lang="ko-KR" altLang="en-US" smtClean="0"/>
-              <a:t>2022-07-13</a:t>
+              <a:t>2022-07-14</a:t>
             </a:fld>
             <a:endParaRPr lang="ko-KR" altLang="en-US"/>
           </a:p>
@@ -2687,7 +2694,7 @@
           <a:p>
             <a:fld id="{72FA2C78-E58E-410D-940E-3ABE639268A7}" type="datetimeFigureOut">
               <a:rPr lang="ko-KR" altLang="en-US" smtClean="0"/>
-              <a:t>2022-07-13</a:t>
+              <a:t>2022-07-14</a:t>
             </a:fld>
             <a:endParaRPr lang="ko-KR" altLang="en-US"/>
           </a:p>
@@ -2864,7 +2871,7 @@
           <a:p>
             <a:fld id="{72FA2C78-E58E-410D-940E-3ABE639268A7}" type="datetimeFigureOut">
               <a:rPr lang="ko-KR" altLang="en-US" smtClean="0"/>
-              <a:t>2022-07-13</a:t>
+              <a:t>2022-07-14</a:t>
             </a:fld>
             <a:endParaRPr lang="ko-KR" altLang="en-US"/>
           </a:p>
@@ -3102,7 +3109,7 @@
           <a:p>
             <a:fld id="{72FA2C78-E58E-410D-940E-3ABE639268A7}" type="datetimeFigureOut">
               <a:rPr lang="ko-KR" altLang="en-US" smtClean="0"/>
-              <a:t>2022-07-13</a:t>
+              <a:t>2022-07-14</a:t>
             </a:fld>
             <a:endParaRPr lang="ko-KR" altLang="en-US"/>
           </a:p>
@@ -3302,7 +3309,7 @@
           <a:p>
             <a:fld id="{72FA2C78-E58E-410D-940E-3ABE639268A7}" type="datetimeFigureOut">
               <a:rPr lang="ko-KR" altLang="en-US" smtClean="0"/>
-              <a:t>2022-07-13</a:t>
+              <a:t>2022-07-14</a:t>
             </a:fld>
             <a:endParaRPr lang="ko-KR" altLang="en-US"/>
           </a:p>
@@ -3578,7 +3585,7 @@
           <a:p>
             <a:fld id="{72FA2C78-E58E-410D-940E-3ABE639268A7}" type="datetimeFigureOut">
               <a:rPr lang="ko-KR" altLang="en-US" smtClean="0"/>
-              <a:t>2022-07-13</a:t>
+              <a:t>2022-07-14</a:t>
             </a:fld>
             <a:endParaRPr lang="ko-KR" altLang="en-US"/>
           </a:p>
@@ -3844,7 +3851,7 @@
           <a:p>
             <a:fld id="{72FA2C78-E58E-410D-940E-3ABE639268A7}" type="datetimeFigureOut">
               <a:rPr lang="ko-KR" altLang="en-US" smtClean="0"/>
-              <a:t>2022-07-13</a:t>
+              <a:t>2022-07-14</a:t>
             </a:fld>
             <a:endParaRPr lang="ko-KR" altLang="en-US"/>
           </a:p>
@@ -4218,7 +4225,7 @@
           <a:p>
             <a:fld id="{72FA2C78-E58E-410D-940E-3ABE639268A7}" type="datetimeFigureOut">
               <a:rPr lang="ko-KR" altLang="en-US" smtClean="0"/>
-              <a:t>2022-07-13</a:t>
+              <a:t>2022-07-14</a:t>
             </a:fld>
             <a:endParaRPr lang="ko-KR" altLang="en-US"/>
           </a:p>
@@ -4366,7 +4373,7 @@
           <a:p>
             <a:fld id="{72FA2C78-E58E-410D-940E-3ABE639268A7}" type="datetimeFigureOut">
               <a:rPr lang="ko-KR" altLang="en-US" smtClean="0"/>
-              <a:t>2022-07-13</a:t>
+              <a:t>2022-07-14</a:t>
             </a:fld>
             <a:endParaRPr lang="ko-KR" altLang="en-US"/>
           </a:p>
@@ -4491,7 +4498,7 @@
           <a:p>
             <a:fld id="{72FA2C78-E58E-410D-940E-3ABE639268A7}" type="datetimeFigureOut">
               <a:rPr lang="ko-KR" altLang="en-US" smtClean="0"/>
-              <a:t>2022-07-13</a:t>
+              <a:t>2022-07-14</a:t>
             </a:fld>
             <a:endParaRPr lang="ko-KR" altLang="en-US"/>
           </a:p>
@@ -4776,7 +4783,7 @@
           <a:p>
             <a:fld id="{72FA2C78-E58E-410D-940E-3ABE639268A7}" type="datetimeFigureOut">
               <a:rPr lang="ko-KR" altLang="en-US" smtClean="0"/>
-              <a:t>2022-07-13</a:t>
+              <a:t>2022-07-14</a:t>
             </a:fld>
             <a:endParaRPr lang="ko-KR" altLang="en-US"/>
           </a:p>
@@ -5100,7 +5107,7 @@
           <a:p>
             <a:fld id="{72FA2C78-E58E-410D-940E-3ABE639268A7}" type="datetimeFigureOut">
               <a:rPr lang="ko-KR" altLang="en-US" smtClean="0"/>
-              <a:t>2022-07-13</a:t>
+              <a:t>2022-07-14</a:t>
             </a:fld>
             <a:endParaRPr lang="ko-KR" altLang="en-US"/>
           </a:p>
@@ -5314,7 +5321,7 @@
           <a:p>
             <a:fld id="{72FA2C78-E58E-410D-940E-3ABE639268A7}" type="datetimeFigureOut">
               <a:rPr lang="ko-KR" altLang="en-US" smtClean="0"/>
-              <a:t>2022-07-13</a:t>
+              <a:t>2022-07-14</a:t>
             </a:fld>
             <a:endParaRPr lang="ko-KR" altLang="en-US"/>
           </a:p>
@@ -6028,6 +6035,30 @@
             </a:endParaRPr>
           </a:p>
           <a:p>
+            <a:pPr lvl="1"/>
+            <a:r>
+              <a:rPr lang="ko-KR" altLang="en-US" dirty="0" smtClean="0">
+                <a:latin typeface="+mn-ea"/>
+              </a:rPr>
+              <a:t>테마 설정</a:t>
+            </a:r>
+            <a:endParaRPr lang="en-US" altLang="ko-KR" dirty="0" smtClean="0">
+              <a:latin typeface="+mn-ea"/>
+            </a:endParaRPr>
+          </a:p>
+          <a:p>
+            <a:pPr lvl="1"/>
+            <a:r>
+              <a:rPr lang="ko-KR" altLang="en-US" dirty="0" smtClean="0">
+                <a:latin typeface="+mn-ea"/>
+              </a:rPr>
+              <a:t>편의성 설정</a:t>
+            </a:r>
+            <a:endParaRPr lang="en-US" altLang="ko-KR" dirty="0" smtClean="0">
+              <a:latin typeface="+mn-ea"/>
+            </a:endParaRPr>
+          </a:p>
+          <a:p>
             <a:r>
               <a:rPr lang="en-US" altLang="ko-KR" dirty="0" smtClean="0">
                 <a:latin typeface="+mn-ea"/>
@@ -6655,26 +6686,288 @@
           <a:bodyPr/>
           <a:lstStyle/>
           <a:p>
+            <a:r>
+              <a:rPr lang="en-US" altLang="ko-KR" dirty="0" smtClean="0"/>
+              <a:t> vs code </a:t>
+            </a:r>
+            <a:r>
+              <a:rPr lang="ko-KR" altLang="en-US" dirty="0" smtClean="0"/>
+              <a:t>설정 </a:t>
+            </a:r>
+            <a:r>
+              <a:rPr lang="en-US" altLang="ko-KR" dirty="0" smtClean="0"/>
+              <a:t>– </a:t>
+            </a:r>
+            <a:r>
+              <a:rPr lang="ko-KR" altLang="en-US" dirty="0" smtClean="0"/>
+              <a:t>테마 설정</a:t>
+            </a:r>
             <a:endParaRPr lang="ko-KR" altLang="en-US" dirty="0"/>
           </a:p>
         </p:txBody>
       </p:sp>
-      <p:sp>
-        <p:nvSpPr>
-          <p:cNvPr id="3" name="내용 개체 틀 2"/>
-          <p:cNvSpPr>
-            <a:spLocks noGrp="1"/>
-          </p:cNvSpPr>
+      <p:pic>
+        <p:nvPicPr>
+          <p:cNvPr id="4" name="내용 개체 틀 3"/>
+          <p:cNvPicPr>
+            <a:picLocks noGrp="1" noChangeAspect="1"/>
+          </p:cNvPicPr>
           <p:nvPr>
             <p:ph idx="1"/>
           </p:nvPr>
-        </p:nvSpPr>
-        <p:spPr/>
-        <p:txBody>
-          <a:bodyPr/>
-          <a:lstStyle/>
-          <a:p>
-            <a:endParaRPr lang="ko-KR" altLang="en-US"/>
+        </p:nvPicPr>
+        <p:blipFill>
+          <a:blip r:embed="rId2"/>
+          <a:stretch>
+            <a:fillRect/>
+          </a:stretch>
+        </p:blipFill>
+        <p:spPr>
+          <a:xfrm>
+            <a:off x="2691463" y="3013289"/>
+            <a:ext cx="2071146" cy="2679128"/>
+          </a:xfrm>
+          <a:prstGeom prst="rect">
+            <a:avLst/>
+          </a:prstGeom>
+        </p:spPr>
+      </p:pic>
+      <p:sp>
+        <p:nvSpPr>
+          <p:cNvPr id="5" name="액자 4"/>
+          <p:cNvSpPr/>
+          <p:nvPr/>
+        </p:nvSpPr>
+        <p:spPr>
+          <a:xfrm>
+            <a:off x="2691463" y="4352853"/>
+            <a:ext cx="2071146" cy="211745"/>
+          </a:xfrm>
+          <a:prstGeom prst="frame">
+            <a:avLst>
+              <a:gd name="adj1" fmla="val 1891"/>
+            </a:avLst>
+          </a:prstGeom>
+          <a:ln>
+            <a:solidFill>
+              <a:srgbClr val="FF0000"/>
+            </a:solidFill>
+          </a:ln>
+        </p:spPr>
+        <p:style>
+          <a:lnRef idx="2">
+            <a:schemeClr val="accent1">
+              <a:shade val="50000"/>
+            </a:schemeClr>
+          </a:lnRef>
+          <a:fillRef idx="1">
+            <a:schemeClr val="accent1"/>
+          </a:fillRef>
+          <a:effectRef idx="0">
+            <a:schemeClr val="accent1"/>
+          </a:effectRef>
+          <a:fontRef idx="minor">
+            <a:schemeClr val="lt1"/>
+          </a:fontRef>
+        </p:style>
+        <p:txBody>
+          <a:bodyPr rtlCol="0" anchor="ctr"/>
+          <a:lstStyle/>
+          <a:p>
+            <a:pPr algn="ctr"/>
+            <a:endParaRPr lang="ko-KR" altLang="en-US">
+              <a:solidFill>
+                <a:schemeClr val="tx1"/>
+              </a:solidFill>
+            </a:endParaRPr>
+          </a:p>
+        </p:txBody>
+      </p:sp>
+      <p:grpSp>
+        <p:nvGrpSpPr>
+          <p:cNvPr id="8" name="그룹 7"/>
+          <p:cNvGrpSpPr/>
+          <p:nvPr/>
+        </p:nvGrpSpPr>
+        <p:grpSpPr>
+          <a:xfrm>
+            <a:off x="4875629" y="3226157"/>
+            <a:ext cx="3277522" cy="2372455"/>
+            <a:chOff x="4464908" y="3319962"/>
+            <a:chExt cx="3277522" cy="2372455"/>
+          </a:xfrm>
+        </p:grpSpPr>
+        <p:pic>
+          <p:nvPicPr>
+            <p:cNvPr id="6" name="그림 5"/>
+            <p:cNvPicPr>
+              <a:picLocks noChangeAspect="1"/>
+            </p:cNvPicPr>
+            <p:nvPr/>
+          </p:nvPicPr>
+          <p:blipFill>
+            <a:blip r:embed="rId3"/>
+            <a:stretch>
+              <a:fillRect/>
+            </a:stretch>
+          </p:blipFill>
+          <p:spPr>
+            <a:xfrm>
+              <a:off x="4464908" y="3319962"/>
+              <a:ext cx="3277522" cy="2372455"/>
+            </a:xfrm>
+            <a:prstGeom prst="rect">
+              <a:avLst/>
+            </a:prstGeom>
+          </p:spPr>
+        </p:pic>
+        <p:sp>
+          <p:nvSpPr>
+            <p:cNvPr id="7" name="액자 6"/>
+            <p:cNvSpPr/>
+            <p:nvPr/>
+          </p:nvSpPr>
+          <p:spPr>
+            <a:xfrm>
+              <a:off x="4464908" y="3532353"/>
+              <a:ext cx="3113903" cy="133485"/>
+            </a:xfrm>
+            <a:prstGeom prst="frame">
+              <a:avLst>
+                <a:gd name="adj1" fmla="val 1891"/>
+              </a:avLst>
+            </a:prstGeom>
+            <a:ln>
+              <a:solidFill>
+                <a:srgbClr val="FF0000"/>
+              </a:solidFill>
+            </a:ln>
+          </p:spPr>
+          <p:style>
+            <a:lnRef idx="2">
+              <a:schemeClr val="accent1">
+                <a:shade val="50000"/>
+              </a:schemeClr>
+            </a:lnRef>
+            <a:fillRef idx="1">
+              <a:schemeClr val="accent1"/>
+            </a:fillRef>
+            <a:effectRef idx="0">
+              <a:schemeClr val="accent1"/>
+            </a:effectRef>
+            <a:fontRef idx="minor">
+              <a:schemeClr val="lt1"/>
+            </a:fontRef>
+          </p:style>
+          <p:txBody>
+            <a:bodyPr rtlCol="0" anchor="ctr"/>
+            <a:lstStyle/>
+            <a:p>
+              <a:pPr algn="ctr"/>
+              <a:endParaRPr lang="ko-KR" altLang="en-US">
+                <a:solidFill>
+                  <a:schemeClr val="tx1"/>
+                </a:solidFill>
+              </a:endParaRPr>
+            </a:p>
+          </p:txBody>
+        </p:sp>
+      </p:grpSp>
+      <p:sp>
+        <p:nvSpPr>
+          <p:cNvPr id="10" name="TextBox 9"/>
+          <p:cNvSpPr txBox="1"/>
+          <p:nvPr/>
+        </p:nvSpPr>
+        <p:spPr>
+          <a:xfrm>
+            <a:off x="914400" y="3013289"/>
+            <a:ext cx="1664043" cy="2585323"/>
+          </a:xfrm>
+          <a:prstGeom prst="rect">
+            <a:avLst/>
+          </a:prstGeom>
+          <a:noFill/>
+        </p:spPr>
+        <p:txBody>
+          <a:bodyPr wrap="square" rtlCol="0">
+            <a:spAutoFit/>
+          </a:bodyPr>
+          <a:lstStyle/>
+          <a:p>
+            <a:r>
+              <a:rPr lang="ko-KR" altLang="en-US" dirty="0" smtClean="0"/>
+              <a:t>좌측 하단 톱니바퀴</a:t>
+            </a:r>
+            <a:r>
+              <a:rPr lang="en-US" altLang="ko-KR" dirty="0" smtClean="0"/>
+              <a:t>(</a:t>
+            </a:r>
+            <a:r>
+              <a:rPr lang="ko-KR" altLang="en-US" dirty="0" smtClean="0"/>
+              <a:t>설정</a:t>
+            </a:r>
+            <a:r>
+              <a:rPr lang="en-US" altLang="ko-KR" dirty="0" smtClean="0"/>
+              <a:t>)</a:t>
+            </a:r>
+          </a:p>
+          <a:p>
+            <a:r>
+              <a:rPr lang="en-US" altLang="ko-KR" dirty="0" smtClean="0"/>
+              <a:t>(</a:t>
+            </a:r>
+            <a:r>
+              <a:rPr lang="ko-KR" altLang="en-US" dirty="0" smtClean="0"/>
+              <a:t>을</a:t>
+            </a:r>
+            <a:r>
+              <a:rPr lang="en-US" altLang="ko-KR" dirty="0" smtClean="0"/>
+              <a:t>)</a:t>
+            </a:r>
+            <a:r>
+              <a:rPr lang="ko-KR" altLang="en-US" dirty="0" smtClean="0"/>
+              <a:t>를 누름 </a:t>
+            </a:r>
+            <a:r>
+              <a:rPr lang="en-US" altLang="ko-KR" dirty="0" smtClean="0"/>
+              <a:t>&gt; </a:t>
+            </a:r>
+          </a:p>
+          <a:p>
+            <a:r>
+              <a:rPr lang="ko-KR" altLang="en-US" dirty="0" smtClean="0"/>
+              <a:t>색 테마 </a:t>
+            </a:r>
+            <a:r>
+              <a:rPr lang="en-US" altLang="ko-KR" dirty="0" smtClean="0"/>
+              <a:t>&gt; </a:t>
+            </a:r>
+          </a:p>
+          <a:p>
+            <a:r>
+              <a:rPr lang="ko-KR" altLang="en-US" dirty="0" smtClean="0"/>
+              <a:t>추가 색 테마 찾아보기</a:t>
+            </a:r>
+            <a:r>
+              <a:rPr lang="en-US" altLang="ko-KR" dirty="0" smtClean="0"/>
+              <a:t>… &gt;</a:t>
+            </a:r>
+          </a:p>
+          <a:p>
+            <a:r>
+              <a:rPr lang="ko-KR" altLang="en-US" dirty="0" smtClean="0"/>
+              <a:t>원하는 </a:t>
+            </a:r>
+            <a:r>
+              <a:rPr lang="ko-KR" altLang="en-US" dirty="0" err="1" smtClean="0"/>
+              <a:t>색테마를</a:t>
+            </a:r>
+            <a:r>
+              <a:rPr lang="ko-KR" altLang="en-US" dirty="0" smtClean="0"/>
+              <a:t> 찾은 후 다운로드 및 적용</a:t>
+            </a:r>
+            <a:endParaRPr lang="ko-KR" altLang="en-US" dirty="0"/>
           </a:p>
         </p:txBody>
       </p:sp>
@@ -6695,6 +6988,627 @@
       </p:par>
     </p:tnLst>
   </p:timing>
+</p:sld>
+</file>
+
+<file path=ppt/slides/slide6.xml><?xml version="1.0" encoding="utf-8"?>
+<p:sld xmlns:a="http://schemas.openxmlformats.org/drawingml/2006/main" xmlns:r="http://schemas.openxmlformats.org/officeDocument/2006/relationships" xmlns:p="http://schemas.openxmlformats.org/presentationml/2006/main">
+  <p:cSld>
+    <p:spTree>
+      <p:nvGrpSpPr>
+        <p:cNvPr id="1" name=""/>
+        <p:cNvGrpSpPr/>
+        <p:nvPr/>
+      </p:nvGrpSpPr>
+      <p:grpSpPr>
+        <a:xfrm>
+          <a:off x="0" y="0"/>
+          <a:ext cx="0" cy="0"/>
+          <a:chOff x="0" y="0"/>
+          <a:chExt cx="0" cy="0"/>
+        </a:xfrm>
+      </p:grpSpPr>
+      <p:sp>
+        <p:nvSpPr>
+          <p:cNvPr id="2" name="제목 1"/>
+          <p:cNvSpPr>
+            <a:spLocks noGrp="1"/>
+          </p:cNvSpPr>
+          <p:nvPr>
+            <p:ph type="title"/>
+          </p:nvPr>
+        </p:nvSpPr>
+        <p:spPr/>
+        <p:txBody>
+          <a:bodyPr/>
+          <a:lstStyle/>
+          <a:p>
+            <a:r>
+              <a:rPr lang="en-US" altLang="ko-KR" dirty="0" smtClean="0"/>
+              <a:t>VS CODE </a:t>
+            </a:r>
+            <a:r>
+              <a:rPr lang="ko-KR" altLang="en-US" dirty="0" smtClean="0"/>
+              <a:t>설정 </a:t>
+            </a:r>
+            <a:r>
+              <a:rPr lang="en-US" altLang="ko-KR" dirty="0" smtClean="0"/>
+              <a:t>– </a:t>
+            </a:r>
+            <a:r>
+              <a:rPr lang="ko-KR" altLang="en-US" dirty="0" smtClean="0"/>
+              <a:t>편의성 설정</a:t>
+            </a:r>
+            <a:endParaRPr lang="ko-KR" altLang="en-US" dirty="0"/>
+          </a:p>
+        </p:txBody>
+      </p:sp>
+      <p:pic>
+        <p:nvPicPr>
+          <p:cNvPr id="4" name="그림 3"/>
+          <p:cNvPicPr>
+            <a:picLocks noChangeAspect="1"/>
+          </p:cNvPicPr>
+          <p:nvPr/>
+        </p:nvPicPr>
+        <p:blipFill>
+          <a:blip r:embed="rId2"/>
+          <a:stretch>
+            <a:fillRect/>
+          </a:stretch>
+        </p:blipFill>
+        <p:spPr>
+          <a:xfrm>
+            <a:off x="5819775" y="1713047"/>
+            <a:ext cx="5880100" cy="4768439"/>
+          </a:xfrm>
+          <a:prstGeom prst="rect">
+            <a:avLst/>
+          </a:prstGeom>
+        </p:spPr>
+      </p:pic>
+      <p:pic>
+        <p:nvPicPr>
+          <p:cNvPr id="5" name="내용 개체 틀 3"/>
+          <p:cNvPicPr>
+            <a:picLocks noGrp="1" noChangeAspect="1"/>
+          </p:cNvPicPr>
+          <p:nvPr>
+            <p:ph idx="1"/>
+          </p:nvPr>
+        </p:nvPicPr>
+        <p:blipFill>
+          <a:blip r:embed="rId3"/>
+          <a:stretch>
+            <a:fillRect/>
+          </a:stretch>
+        </p:blipFill>
+        <p:spPr>
+          <a:xfrm>
+            <a:off x="3367738" y="3802358"/>
+            <a:ext cx="2071146" cy="2679128"/>
+          </a:xfrm>
+          <a:prstGeom prst="rect">
+            <a:avLst/>
+          </a:prstGeom>
+        </p:spPr>
+      </p:pic>
+      <p:sp>
+        <p:nvSpPr>
+          <p:cNvPr id="6" name="액자 5"/>
+          <p:cNvSpPr/>
+          <p:nvPr/>
+        </p:nvSpPr>
+        <p:spPr>
+          <a:xfrm>
+            <a:off x="3367738" y="4061931"/>
+            <a:ext cx="2071146" cy="211745"/>
+          </a:xfrm>
+          <a:prstGeom prst="frame">
+            <a:avLst>
+              <a:gd name="adj1" fmla="val 1891"/>
+            </a:avLst>
+          </a:prstGeom>
+          <a:ln>
+            <a:solidFill>
+              <a:srgbClr val="FF0000"/>
+            </a:solidFill>
+          </a:ln>
+        </p:spPr>
+        <p:style>
+          <a:lnRef idx="2">
+            <a:schemeClr val="accent1">
+              <a:shade val="50000"/>
+            </a:schemeClr>
+          </a:lnRef>
+          <a:fillRef idx="1">
+            <a:schemeClr val="accent1"/>
+          </a:fillRef>
+          <a:effectRef idx="0">
+            <a:schemeClr val="accent1"/>
+          </a:effectRef>
+          <a:fontRef idx="minor">
+            <a:schemeClr val="lt1"/>
+          </a:fontRef>
+        </p:style>
+        <p:txBody>
+          <a:bodyPr rtlCol="0" anchor="ctr"/>
+          <a:lstStyle/>
+          <a:p>
+            <a:pPr algn="ctr"/>
+            <a:endParaRPr lang="ko-KR" altLang="en-US">
+              <a:solidFill>
+                <a:schemeClr val="tx1"/>
+              </a:solidFill>
+            </a:endParaRPr>
+          </a:p>
+        </p:txBody>
+      </p:sp>
+      <p:sp>
+        <p:nvSpPr>
+          <p:cNvPr id="7" name="액자 6"/>
+          <p:cNvSpPr/>
+          <p:nvPr/>
+        </p:nvSpPr>
+        <p:spPr>
+          <a:xfrm>
+            <a:off x="6882463" y="5016999"/>
+            <a:ext cx="4817412" cy="307476"/>
+          </a:xfrm>
+          <a:prstGeom prst="frame">
+            <a:avLst>
+              <a:gd name="adj1" fmla="val 1891"/>
+            </a:avLst>
+          </a:prstGeom>
+          <a:ln>
+            <a:solidFill>
+              <a:srgbClr val="FF0000"/>
+            </a:solidFill>
+          </a:ln>
+        </p:spPr>
+        <p:style>
+          <a:lnRef idx="2">
+            <a:schemeClr val="accent1">
+              <a:shade val="50000"/>
+            </a:schemeClr>
+          </a:lnRef>
+          <a:fillRef idx="1">
+            <a:schemeClr val="accent1"/>
+          </a:fillRef>
+          <a:effectRef idx="0">
+            <a:schemeClr val="accent1"/>
+          </a:effectRef>
+          <a:fontRef idx="minor">
+            <a:schemeClr val="lt1"/>
+          </a:fontRef>
+        </p:style>
+        <p:txBody>
+          <a:bodyPr rtlCol="0" anchor="ctr"/>
+          <a:lstStyle/>
+          <a:p>
+            <a:pPr algn="ctr"/>
+            <a:endParaRPr lang="ko-KR" altLang="en-US">
+              <a:solidFill>
+                <a:schemeClr val="tx1"/>
+              </a:solidFill>
+            </a:endParaRPr>
+          </a:p>
+        </p:txBody>
+      </p:sp>
+      <p:sp>
+        <p:nvSpPr>
+          <p:cNvPr id="8" name="TextBox 7"/>
+          <p:cNvSpPr txBox="1"/>
+          <p:nvPr/>
+        </p:nvSpPr>
+        <p:spPr>
+          <a:xfrm>
+            <a:off x="681228" y="2065867"/>
+            <a:ext cx="2471547" cy="2031325"/>
+          </a:xfrm>
+          <a:prstGeom prst="rect">
+            <a:avLst/>
+          </a:prstGeom>
+          <a:noFill/>
+        </p:spPr>
+        <p:txBody>
+          <a:bodyPr wrap="square" rtlCol="0">
+            <a:spAutoFit/>
+          </a:bodyPr>
+          <a:lstStyle/>
+          <a:p>
+            <a:r>
+              <a:rPr lang="ko-KR" altLang="en-US" dirty="0" smtClean="0"/>
+              <a:t>좌측 하단 톱니바퀴</a:t>
+            </a:r>
+            <a:r>
+              <a:rPr lang="en-US" altLang="ko-KR" dirty="0" smtClean="0"/>
+              <a:t>(</a:t>
+            </a:r>
+            <a:r>
+              <a:rPr lang="ko-KR" altLang="en-US" dirty="0" smtClean="0"/>
+              <a:t>설정</a:t>
+            </a:r>
+            <a:r>
+              <a:rPr lang="en-US" altLang="ko-KR" dirty="0" smtClean="0"/>
+              <a:t>) (</a:t>
+            </a:r>
+            <a:r>
+              <a:rPr lang="ko-KR" altLang="en-US" dirty="0" smtClean="0"/>
+              <a:t>을</a:t>
+            </a:r>
+            <a:r>
+              <a:rPr lang="en-US" altLang="ko-KR" dirty="0" smtClean="0"/>
+              <a:t>)</a:t>
+            </a:r>
+            <a:r>
+              <a:rPr lang="ko-KR" altLang="en-US" dirty="0" smtClean="0"/>
+              <a:t>를 누름 </a:t>
+            </a:r>
+            <a:r>
+              <a:rPr lang="en-US" altLang="ko-KR" dirty="0" smtClean="0"/>
+              <a:t>&gt; </a:t>
+            </a:r>
+          </a:p>
+          <a:p>
+            <a:r>
+              <a:rPr lang="ko-KR" altLang="en-US" dirty="0" smtClean="0"/>
+              <a:t>설정 </a:t>
+            </a:r>
+            <a:r>
+              <a:rPr lang="en-US" altLang="ko-KR" dirty="0" smtClean="0"/>
+              <a:t>&gt; </a:t>
+            </a:r>
+          </a:p>
+          <a:p>
+            <a:r>
+              <a:rPr lang="en-US" altLang="ko-KR" dirty="0" smtClean="0"/>
+              <a:t>‘</a:t>
+            </a:r>
+            <a:r>
+              <a:rPr lang="en-US" altLang="ko-KR" dirty="0" err="1" smtClean="0"/>
+              <a:t>emmet</a:t>
+            </a:r>
+            <a:r>
+              <a:rPr lang="en-US" altLang="ko-KR" dirty="0" smtClean="0"/>
+              <a:t>’ </a:t>
+            </a:r>
+            <a:r>
+              <a:rPr lang="ko-KR" altLang="en-US" dirty="0" smtClean="0"/>
+              <a:t>검색</a:t>
+            </a:r>
+            <a:r>
+              <a:rPr lang="en-US" altLang="ko-KR" dirty="0" smtClean="0"/>
+              <a:t>&gt;</a:t>
+            </a:r>
+          </a:p>
+          <a:p>
+            <a:r>
+              <a:rPr lang="en-US" altLang="ko-KR" dirty="0" smtClean="0"/>
+              <a:t>‘Emmet: Trigger Expansion On Tab’ </a:t>
+            </a:r>
+            <a:r>
+              <a:rPr lang="ko-KR" altLang="en-US" dirty="0" smtClean="0"/>
+              <a:t>체크박스 체크</a:t>
+            </a:r>
+            <a:endParaRPr lang="ko-KR" altLang="en-US" dirty="0"/>
+          </a:p>
+        </p:txBody>
+      </p:sp>
+      <p:sp>
+        <p:nvSpPr>
+          <p:cNvPr id="9" name="TextBox 8"/>
+          <p:cNvSpPr txBox="1"/>
+          <p:nvPr/>
+        </p:nvSpPr>
+        <p:spPr>
+          <a:xfrm>
+            <a:off x="681227" y="5553459"/>
+            <a:ext cx="2471547" cy="923330"/>
+          </a:xfrm>
+          <a:prstGeom prst="rect">
+            <a:avLst/>
+          </a:prstGeom>
+          <a:noFill/>
+        </p:spPr>
+        <p:txBody>
+          <a:bodyPr wrap="square" rtlCol="0">
+            <a:spAutoFit/>
+          </a:bodyPr>
+          <a:lstStyle/>
+          <a:p>
+            <a:r>
+              <a:rPr lang="en-US" altLang="ko-KR" dirty="0" smtClean="0"/>
+              <a:t>! + tab </a:t>
+            </a:r>
+            <a:r>
+              <a:rPr lang="ko-KR" altLang="en-US" dirty="0" smtClean="0"/>
+              <a:t>으로 기본 양식 로드를 위해 필요한 설정입니다</a:t>
+            </a:r>
+            <a:r>
+              <a:rPr lang="en-US" altLang="ko-KR" dirty="0" smtClean="0"/>
+              <a:t>.</a:t>
+            </a:r>
+            <a:endParaRPr lang="ko-KR" altLang="en-US" dirty="0"/>
+          </a:p>
+        </p:txBody>
+      </p:sp>
+    </p:spTree>
+    <p:extLst>
+      <p:ext uri="{BB962C8B-B14F-4D97-AF65-F5344CB8AC3E}">
+        <p14:creationId xmlns:p14="http://schemas.microsoft.com/office/powerpoint/2010/main" val="3231866743"/>
+      </p:ext>
+    </p:extLst>
+  </p:cSld>
+  <p:clrMapOvr>
+    <a:masterClrMapping/>
+  </p:clrMapOvr>
+</p:sld>
+</file>
+
+<file path=ppt/slides/slide7.xml><?xml version="1.0" encoding="utf-8"?>
+<p:sld xmlns:a="http://schemas.openxmlformats.org/drawingml/2006/main" xmlns:r="http://schemas.openxmlformats.org/officeDocument/2006/relationships" xmlns:p="http://schemas.openxmlformats.org/presentationml/2006/main">
+  <p:cSld>
+    <p:spTree>
+      <p:nvGrpSpPr>
+        <p:cNvPr id="1" name=""/>
+        <p:cNvGrpSpPr/>
+        <p:nvPr/>
+      </p:nvGrpSpPr>
+      <p:grpSpPr>
+        <a:xfrm>
+          <a:off x="0" y="0"/>
+          <a:ext cx="0" cy="0"/>
+          <a:chOff x="0" y="0"/>
+          <a:chExt cx="0" cy="0"/>
+        </a:xfrm>
+      </p:grpSpPr>
+      <p:sp>
+        <p:nvSpPr>
+          <p:cNvPr id="2" name="제목 1"/>
+          <p:cNvSpPr>
+            <a:spLocks noGrp="1"/>
+          </p:cNvSpPr>
+          <p:nvPr>
+            <p:ph type="title"/>
+          </p:nvPr>
+        </p:nvSpPr>
+        <p:spPr/>
+        <p:txBody>
+          <a:bodyPr/>
+          <a:lstStyle/>
+          <a:p>
+            <a:r>
+              <a:rPr lang="en-US" altLang="ko-KR" dirty="0" smtClean="0"/>
+              <a:t>Vs code </a:t>
+            </a:r>
+            <a:r>
+              <a:rPr lang="ko-KR" altLang="en-US" dirty="0" smtClean="0"/>
+              <a:t>단축키</a:t>
+            </a:r>
+            <a:endParaRPr lang="ko-KR" altLang="en-US" dirty="0"/>
+          </a:p>
+        </p:txBody>
+      </p:sp>
+      <p:sp>
+        <p:nvSpPr>
+          <p:cNvPr id="3" name="내용 개체 틀 2"/>
+          <p:cNvSpPr>
+            <a:spLocks noGrp="1"/>
+          </p:cNvSpPr>
+          <p:nvPr>
+            <p:ph idx="1"/>
+          </p:nvPr>
+        </p:nvSpPr>
+        <p:spPr/>
+        <p:txBody>
+          <a:bodyPr/>
+          <a:lstStyle/>
+          <a:p>
+            <a:r>
+              <a:rPr lang="ko-KR" altLang="en-US" dirty="0"/>
+              <a:t> </a:t>
+            </a:r>
+            <a:r>
+              <a:rPr lang="en-US" altLang="ko-KR" dirty="0"/>
+              <a:t>tab </a:t>
+            </a:r>
+            <a:r>
+              <a:rPr lang="en-US" altLang="ko-KR" dirty="0" smtClean="0"/>
+              <a:t>: </a:t>
+            </a:r>
+            <a:r>
+              <a:rPr lang="ko-KR" altLang="en-US" dirty="0" smtClean="0"/>
+              <a:t>들여쓰기</a:t>
+            </a:r>
+            <a:endParaRPr lang="ko-KR" altLang="en-US" dirty="0"/>
+          </a:p>
+          <a:p>
+            <a:r>
+              <a:rPr lang="ko-KR" altLang="en-US" dirty="0"/>
+              <a:t> </a:t>
+            </a:r>
+            <a:r>
+              <a:rPr lang="en-US" altLang="ko-KR" dirty="0"/>
+              <a:t>shift + </a:t>
+            </a:r>
+            <a:r>
+              <a:rPr lang="en-US" altLang="ko-KR" dirty="0" smtClean="0"/>
+              <a:t>tab : </a:t>
+            </a:r>
+            <a:r>
+              <a:rPr lang="ko-KR" altLang="en-US" dirty="0" err="1"/>
+              <a:t>내어쓰기</a:t>
+            </a:r>
+            <a:endParaRPr lang="ko-KR" altLang="en-US" dirty="0"/>
+          </a:p>
+          <a:p>
+            <a:r>
+              <a:rPr lang="ko-KR" altLang="en-US" dirty="0"/>
+              <a:t> </a:t>
+            </a:r>
+            <a:r>
+              <a:rPr lang="en-US" altLang="ko-KR" dirty="0"/>
+              <a:t>ctrl + </a:t>
+            </a:r>
+            <a:r>
+              <a:rPr lang="en-US" altLang="ko-KR" dirty="0" smtClean="0"/>
+              <a:t>/ : </a:t>
+            </a:r>
+            <a:r>
+              <a:rPr lang="ko-KR" altLang="en-US" dirty="0"/>
+              <a:t>주석처리</a:t>
+            </a:r>
+          </a:p>
+          <a:p>
+            <a:r>
+              <a:rPr lang="ko-KR" altLang="en-US" dirty="0"/>
+              <a:t> </a:t>
+            </a:r>
+            <a:r>
+              <a:rPr lang="en-US" altLang="ko-KR" dirty="0"/>
+              <a:t>ctrl + f </a:t>
+            </a:r>
+            <a:r>
+              <a:rPr lang="en-US" altLang="ko-KR" dirty="0" smtClean="0"/>
+              <a:t> : </a:t>
+            </a:r>
+            <a:r>
+              <a:rPr lang="ko-KR" altLang="en-US" dirty="0" smtClean="0"/>
+              <a:t>단어 </a:t>
+            </a:r>
+            <a:r>
+              <a:rPr lang="ko-KR" altLang="en-US" dirty="0"/>
+              <a:t>찾기</a:t>
+            </a:r>
+          </a:p>
+          <a:p>
+            <a:r>
+              <a:rPr lang="ko-KR" altLang="en-US" dirty="0"/>
+              <a:t> </a:t>
+            </a:r>
+            <a:r>
+              <a:rPr lang="en-US" altLang="ko-KR" dirty="0"/>
+              <a:t>ctrl + p </a:t>
+            </a:r>
+            <a:r>
+              <a:rPr lang="en-US" altLang="ko-KR" dirty="0" smtClean="0"/>
+              <a:t>: </a:t>
+            </a:r>
+            <a:r>
+              <a:rPr lang="ko-KR" altLang="en-US" dirty="0" smtClean="0"/>
+              <a:t>편집하고자 </a:t>
+            </a:r>
+            <a:r>
+              <a:rPr lang="ko-KR" altLang="en-US" dirty="0"/>
+              <a:t>하는 파일 검색하면 아무것도 없는 초기 창에서 파일이 열린다</a:t>
+            </a:r>
+            <a:r>
+              <a:rPr lang="en-US" altLang="ko-KR" dirty="0"/>
+              <a:t>.</a:t>
+            </a:r>
+          </a:p>
+          <a:p>
+            <a:r>
+              <a:rPr lang="en-US" altLang="ko-KR" dirty="0"/>
+              <a:t> shift + art + b </a:t>
+            </a:r>
+            <a:r>
+              <a:rPr lang="en-US" altLang="ko-KR" dirty="0" smtClean="0"/>
+              <a:t>: </a:t>
+            </a:r>
+            <a:r>
+              <a:rPr lang="ko-KR" altLang="en-US" dirty="0" smtClean="0"/>
+              <a:t>원하는 </a:t>
+            </a:r>
+            <a:r>
+              <a:rPr lang="ko-KR" altLang="en-US" dirty="0"/>
+              <a:t>파일 경로로 프로그램 실행시키기</a:t>
+            </a:r>
+          </a:p>
+          <a:p>
+            <a:r>
+              <a:rPr lang="ko-KR" altLang="en-US" dirty="0"/>
+              <a:t> </a:t>
+            </a:r>
+            <a:r>
+              <a:rPr lang="en-US" altLang="ko-KR" dirty="0"/>
+              <a:t>! + tab </a:t>
+            </a:r>
+            <a:r>
+              <a:rPr lang="en-US" altLang="ko-KR" dirty="0" smtClean="0"/>
+              <a:t>: </a:t>
+            </a:r>
+            <a:r>
+              <a:rPr lang="ko-KR" altLang="en-US" dirty="0" smtClean="0"/>
+              <a:t>기본 양식이 </a:t>
+            </a:r>
+            <a:r>
+              <a:rPr lang="ko-KR" altLang="en-US" dirty="0"/>
+              <a:t>생성된다</a:t>
+            </a:r>
+            <a:r>
+              <a:rPr lang="en-US" altLang="ko-KR" dirty="0"/>
+              <a:t>.</a:t>
+            </a:r>
+          </a:p>
+          <a:p>
+            <a:r>
+              <a:rPr lang="en-US" altLang="ko-KR" dirty="0"/>
+              <a:t> ctrl + + or </a:t>
+            </a:r>
+            <a:r>
+              <a:rPr lang="en-US" altLang="ko-KR" dirty="0" smtClean="0"/>
+              <a:t>:  </a:t>
+            </a:r>
+            <a:r>
+              <a:rPr lang="ko-KR" altLang="en-US" dirty="0"/>
+              <a:t>글자 크기를 키우거나 줄인다</a:t>
+            </a:r>
+            <a:r>
+              <a:rPr lang="en-US" altLang="ko-KR" dirty="0"/>
+              <a:t>.</a:t>
+            </a:r>
+          </a:p>
+          <a:p>
+            <a:r>
+              <a:rPr lang="en-US" altLang="ko-KR" dirty="0"/>
+              <a:t> ctrl + \ </a:t>
+            </a:r>
+            <a:r>
+              <a:rPr lang="en-US" altLang="ko-KR" dirty="0" smtClean="0"/>
+              <a:t> : </a:t>
+            </a:r>
+            <a:r>
+              <a:rPr lang="ko-KR" altLang="en-US" dirty="0" smtClean="0"/>
+              <a:t>새 </a:t>
+            </a:r>
+            <a:r>
+              <a:rPr lang="ko-KR" altLang="en-US" dirty="0" err="1"/>
+              <a:t>그룹창을</a:t>
+            </a:r>
+            <a:r>
+              <a:rPr lang="ko-KR" altLang="en-US" dirty="0"/>
+              <a:t> 띄운다</a:t>
+            </a:r>
+            <a:r>
+              <a:rPr lang="en-US" altLang="ko-KR" dirty="0"/>
+              <a:t>.</a:t>
+            </a:r>
+            <a:endParaRPr lang="ko-KR" altLang="en-US" dirty="0"/>
+          </a:p>
+        </p:txBody>
+      </p:sp>
+    </p:spTree>
+    <p:extLst>
+      <p:ext uri="{BB962C8B-B14F-4D97-AF65-F5344CB8AC3E}">
+        <p14:creationId xmlns:p14="http://schemas.microsoft.com/office/powerpoint/2010/main" val="3119806751"/>
+      </p:ext>
+    </p:extLst>
+  </p:cSld>
+  <p:clrMapOvr>
+    <a:masterClrMapping/>
+  </p:clrMapOvr>
 </p:sld>
 </file>
 
